--- a/p/GNU-Linux/plantilla.pptx
+++ b/p/GNU-Linux/plantilla.pptx
@@ -6,8 +6,9 @@
   </p:sldMasterIdLst>
   <p:sldIdLst>
     <p:sldId id="258" r:id="rId2"/>
-    <p:sldId id="256" r:id="rId3"/>
-    <p:sldId id="257" r:id="rId4"/>
+    <p:sldId id="257" r:id="rId3"/>
+    <p:sldId id="259" r:id="rId4"/>
+    <p:sldId id="261" r:id="rId5"/>
   </p:sldIdLst>
   <p:sldSz cx="12192000" cy="6858000"/>
   <p:notesSz cx="6858000" cy="9144000"/>
@@ -106,6 +107,11 @@
       </a:defRPr>
     </a:lvl9pPr>
   </p:defaultTextStyle>
+  <p:extLst>
+    <p:ext uri="{EFAFB233-063F-42B5-8137-9DF3F51BA10A}">
+      <p15:sldGuideLst xmlns:p15="http://schemas.microsoft.com/office/powerpoint/2012/main"/>
+    </p:ext>
+  </p:extLst>
 </p:presentation>
 </file>
 
@@ -258,7 +264,7 @@
           <a:p>
             <a:fld id="{D064E407-0750-492C-9314-B38B4D23268A}" type="datetimeFigureOut">
               <a:rPr lang="es-419" smtClean="0"/>
-              <a:t>31/7/2024</a:t>
+              <a:t>1/8/2024</a:t>
             </a:fld>
             <a:endParaRPr lang="es-419"/>
           </a:p>
@@ -458,7 +464,7 @@
           <a:p>
             <a:fld id="{D064E407-0750-492C-9314-B38B4D23268A}" type="datetimeFigureOut">
               <a:rPr lang="es-419" smtClean="0"/>
-              <a:t>31/7/2024</a:t>
+              <a:t>1/8/2024</a:t>
             </a:fld>
             <a:endParaRPr lang="es-419"/>
           </a:p>
@@ -668,7 +674,7 @@
           <a:p>
             <a:fld id="{D064E407-0750-492C-9314-B38B4D23268A}" type="datetimeFigureOut">
               <a:rPr lang="es-419" smtClean="0"/>
-              <a:t>31/7/2024</a:t>
+              <a:t>1/8/2024</a:t>
             </a:fld>
             <a:endParaRPr lang="es-419"/>
           </a:p>
@@ -868,7 +874,7 @@
           <a:p>
             <a:fld id="{D064E407-0750-492C-9314-B38B4D23268A}" type="datetimeFigureOut">
               <a:rPr lang="es-419" smtClean="0"/>
-              <a:t>31/7/2024</a:t>
+              <a:t>1/8/2024</a:t>
             </a:fld>
             <a:endParaRPr lang="es-419"/>
           </a:p>
@@ -1144,7 +1150,7 @@
           <a:p>
             <a:fld id="{D064E407-0750-492C-9314-B38B4D23268A}" type="datetimeFigureOut">
               <a:rPr lang="es-419" smtClean="0"/>
-              <a:t>31/7/2024</a:t>
+              <a:t>1/8/2024</a:t>
             </a:fld>
             <a:endParaRPr lang="es-419"/>
           </a:p>
@@ -1412,7 +1418,7 @@
           <a:p>
             <a:fld id="{D064E407-0750-492C-9314-B38B4D23268A}" type="datetimeFigureOut">
               <a:rPr lang="es-419" smtClean="0"/>
-              <a:t>31/7/2024</a:t>
+              <a:t>1/8/2024</a:t>
             </a:fld>
             <a:endParaRPr lang="es-419"/>
           </a:p>
@@ -1827,7 +1833,7 @@
           <a:p>
             <a:fld id="{D064E407-0750-492C-9314-B38B4D23268A}" type="datetimeFigureOut">
               <a:rPr lang="es-419" smtClean="0"/>
-              <a:t>31/7/2024</a:t>
+              <a:t>1/8/2024</a:t>
             </a:fld>
             <a:endParaRPr lang="es-419"/>
           </a:p>
@@ -1969,7 +1975,7 @@
           <a:p>
             <a:fld id="{D064E407-0750-492C-9314-B38B4D23268A}" type="datetimeFigureOut">
               <a:rPr lang="es-419" smtClean="0"/>
-              <a:t>31/7/2024</a:t>
+              <a:t>1/8/2024</a:t>
             </a:fld>
             <a:endParaRPr lang="es-419"/>
           </a:p>
@@ -2082,7 +2088,7 @@
           <a:p>
             <a:fld id="{D064E407-0750-492C-9314-B38B4D23268A}" type="datetimeFigureOut">
               <a:rPr lang="es-419" smtClean="0"/>
-              <a:t>31/7/2024</a:t>
+              <a:t>1/8/2024</a:t>
             </a:fld>
             <a:endParaRPr lang="es-419"/>
           </a:p>
@@ -2395,7 +2401,7 @@
           <a:p>
             <a:fld id="{D064E407-0750-492C-9314-B38B4D23268A}" type="datetimeFigureOut">
               <a:rPr lang="es-419" smtClean="0"/>
-              <a:t>31/7/2024</a:t>
+              <a:t>1/8/2024</a:t>
             </a:fld>
             <a:endParaRPr lang="es-419"/>
           </a:p>
@@ -2684,7 +2690,7 @@
           <a:p>
             <a:fld id="{D064E407-0750-492C-9314-B38B4D23268A}" type="datetimeFigureOut">
               <a:rPr lang="es-419" smtClean="0"/>
-              <a:t>31/7/2024</a:t>
+              <a:t>1/8/2024</a:t>
             </a:fld>
             <a:endParaRPr lang="es-419"/>
           </a:p>
@@ -2927,7 +2933,7 @@
           <a:p>
             <a:fld id="{D064E407-0750-492C-9314-B38B4D23268A}" type="datetimeFigureOut">
               <a:rPr lang="es-419" smtClean="0"/>
-              <a:t>31/7/2024</a:t>
+              <a:t>1/8/2024</a:t>
             </a:fld>
             <a:endParaRPr lang="es-419"/>
           </a:p>
@@ -3501,6 +3507,53 @@
           </a:p>
         </p:txBody>
       </p:sp>
+      <p:sp>
+        <p:nvSpPr>
+          <p:cNvPr id="38" name="CuadroTexto 37">
+            <a:extLst>
+              <a:ext uri="{FF2B5EF4-FFF2-40B4-BE49-F238E27FC236}">
+                <a16:creationId xmlns:a16="http://schemas.microsoft.com/office/drawing/2014/main" id="{8BEA6E7F-C7E7-582E-900B-90A259B4399E}"/>
+              </a:ext>
+            </a:extLst>
+          </p:cNvPr>
+          <p:cNvSpPr txBox="1"/>
+          <p:nvPr/>
+        </p:nvSpPr>
+        <p:spPr>
+          <a:xfrm>
+            <a:off x="0" y="0"/>
+            <a:ext cx="12191999" cy="261610"/>
+          </a:xfrm>
+          <a:prstGeom prst="rect">
+            <a:avLst/>
+          </a:prstGeom>
+          <a:solidFill>
+            <a:srgbClr val="131312"/>
+          </a:solidFill>
+        </p:spPr>
+        <p:txBody>
+          <a:bodyPr wrap="square" rtlCol="0">
+            <a:spAutoFit/>
+          </a:bodyPr>
+          <a:lstStyle/>
+          <a:p>
+            <a:pPr algn="ctr"/>
+            <a:r>
+              <a:rPr lang="es-CO" sz="1100" dirty="0">
+                <a:solidFill>
+                  <a:schemeClr val="bg1"/>
+                </a:solidFill>
+              </a:rPr>
+              <a:t>Feb 26    7:58 AM</a:t>
+            </a:r>
+            <a:endParaRPr lang="es-419" sz="1100" dirty="0">
+              <a:solidFill>
+                <a:schemeClr val="bg1"/>
+              </a:solidFill>
+            </a:endParaRPr>
+          </a:p>
+        </p:txBody>
+      </p:sp>
       <p:pic>
         <p:nvPicPr>
           <p:cNvPr id="19" name="Imagen 18">
@@ -3709,53 +3762,6 @@
           </a:p>
         </p:txBody>
       </p:sp>
-      <p:sp>
-        <p:nvSpPr>
-          <p:cNvPr id="38" name="CuadroTexto 37">
-            <a:extLst>
-              <a:ext uri="{FF2B5EF4-FFF2-40B4-BE49-F238E27FC236}">
-                <a16:creationId xmlns:a16="http://schemas.microsoft.com/office/drawing/2014/main" id="{8BEA6E7F-C7E7-582E-900B-90A259B4399E}"/>
-              </a:ext>
-            </a:extLst>
-          </p:cNvPr>
-          <p:cNvSpPr txBox="1"/>
-          <p:nvPr/>
-        </p:nvSpPr>
-        <p:spPr>
-          <a:xfrm>
-            <a:off x="0" y="0"/>
-            <a:ext cx="12191999" cy="261610"/>
-          </a:xfrm>
-          <a:prstGeom prst="rect">
-            <a:avLst/>
-          </a:prstGeom>
-          <a:solidFill>
-            <a:srgbClr val="131312"/>
-          </a:solidFill>
-        </p:spPr>
-        <p:txBody>
-          <a:bodyPr wrap="square" rtlCol="0">
-            <a:spAutoFit/>
-          </a:bodyPr>
-          <a:lstStyle/>
-          <a:p>
-            <a:pPr algn="ctr"/>
-            <a:r>
-              <a:rPr lang="es-CO" sz="1100" dirty="0">
-                <a:solidFill>
-                  <a:schemeClr val="bg1"/>
-                </a:solidFill>
-              </a:rPr>
-              <a:t>Feb 26    7:58 AM</a:t>
-            </a:r>
-            <a:endParaRPr lang="es-419" sz="1100" dirty="0">
-              <a:solidFill>
-                <a:schemeClr val="bg1"/>
-              </a:solidFill>
-            </a:endParaRPr>
-          </a:p>
-        </p:txBody>
-      </p:sp>
       <p:pic>
         <p:nvPicPr>
           <p:cNvPr id="2050" name="Picture 2" descr="Firefox - Wikipedia">
@@ -3805,10 +3811,10 @@
       </p:pic>
       <p:pic>
         <p:nvPicPr>
-          <p:cNvPr id="39" name="Imagen 38">
-            <a:extLst>
-              <a:ext uri="{FF2B5EF4-FFF2-40B4-BE49-F238E27FC236}">
-                <a16:creationId xmlns:a16="http://schemas.microsoft.com/office/drawing/2014/main" id="{04B6CBA3-5FA3-6B70-4DCE-2DB292C01A9D}"/>
+          <p:cNvPr id="4" name="Imagen 3">
+            <a:extLst>
+              <a:ext uri="{FF2B5EF4-FFF2-40B4-BE49-F238E27FC236}">
+                <a16:creationId xmlns:a16="http://schemas.microsoft.com/office/drawing/2014/main" id="{08C3766D-AB0F-8263-3D5C-67FC9DD1E662}"/>
               </a:ext>
             </a:extLst>
           </p:cNvPr>
@@ -3825,8 +3831,249 @@
         </p:blipFill>
         <p:spPr>
           <a:xfrm>
-            <a:off x="-1356" y="913837"/>
-            <a:ext cx="609653" cy="3993226"/>
+            <a:off x="82828" y="976503"/>
+            <a:ext cx="464750" cy="468000"/>
+          </a:xfrm>
+          <a:prstGeom prst="rect">
+            <a:avLst/>
+          </a:prstGeom>
+        </p:spPr>
+      </p:pic>
+      <p:pic>
+        <p:nvPicPr>
+          <p:cNvPr id="6" name="Imagen 5">
+            <a:extLst>
+              <a:ext uri="{FF2B5EF4-FFF2-40B4-BE49-F238E27FC236}">
+                <a16:creationId xmlns:a16="http://schemas.microsoft.com/office/drawing/2014/main" id="{DF49BBC5-6924-EE31-3394-D0B813AD8067}"/>
+              </a:ext>
+            </a:extLst>
+          </p:cNvPr>
+          <p:cNvPicPr>
+            <a:picLocks noChangeAspect="1"/>
+          </p:cNvPicPr>
+          <p:nvPr/>
+        </p:nvPicPr>
+        <p:blipFill>
+          <a:blip r:embed="rId10"/>
+          <a:stretch>
+            <a:fillRect/>
+          </a:stretch>
+        </p:blipFill>
+        <p:spPr>
+          <a:xfrm>
+            <a:off x="79578" y="2647898"/>
+            <a:ext cx="468000" cy="430520"/>
+          </a:xfrm>
+          <a:prstGeom prst="rect">
+            <a:avLst/>
+          </a:prstGeom>
+        </p:spPr>
+      </p:pic>
+      <p:pic>
+        <p:nvPicPr>
+          <p:cNvPr id="8" name="Imagen 7">
+            <a:extLst>
+              <a:ext uri="{FF2B5EF4-FFF2-40B4-BE49-F238E27FC236}">
+                <a16:creationId xmlns:a16="http://schemas.microsoft.com/office/drawing/2014/main" id="{69E0315B-6D0B-7FD7-3B93-369BD12F9C57}"/>
+              </a:ext>
+            </a:extLst>
+          </p:cNvPr>
+          <p:cNvPicPr>
+            <a:picLocks noChangeAspect="1"/>
+          </p:cNvPicPr>
+          <p:nvPr/>
+        </p:nvPicPr>
+        <p:blipFill>
+          <a:blip r:embed="rId11"/>
+          <a:stretch>
+            <a:fillRect/>
+          </a:stretch>
+        </p:blipFill>
+        <p:spPr>
+          <a:xfrm>
+            <a:off x="79578" y="3158543"/>
+            <a:ext cx="468000" cy="466742"/>
+          </a:xfrm>
+          <a:prstGeom prst="rect">
+            <a:avLst/>
+          </a:prstGeom>
+        </p:spPr>
+      </p:pic>
+      <p:pic>
+        <p:nvPicPr>
+          <p:cNvPr id="9" name="Imagen 8">
+            <a:extLst>
+              <a:ext uri="{FF2B5EF4-FFF2-40B4-BE49-F238E27FC236}">
+                <a16:creationId xmlns:a16="http://schemas.microsoft.com/office/drawing/2014/main" id="{491213CD-822B-7A89-85F7-69B9E8EE5FF1}"/>
+              </a:ext>
+            </a:extLst>
+          </p:cNvPr>
+          <p:cNvPicPr>
+            <a:picLocks noChangeAspect="1"/>
+          </p:cNvPicPr>
+          <p:nvPr/>
+        </p:nvPicPr>
+        <p:blipFill>
+          <a:blip r:embed="rId12">
+            <a:extLst>
+              <a:ext uri="{BEBA8EAE-BF5A-486C-A8C5-ECC9F3942E4B}">
+                <a14:imgProps xmlns:a14="http://schemas.microsoft.com/office/drawing/2010/main">
+                  <a14:imgLayer r:embed="rId13">
+                    <a14:imgEffect>
+                      <a14:backgroundRemoval t="2667" b="98222" l="9778" r="89778">
+                        <a14:foregroundMark x1="22222" y1="10222" x2="22222" y2="10222"/>
+                        <a14:foregroundMark x1="86222" y1="8000" x2="81333" y2="8000"/>
+                        <a14:foregroundMark x1="72000" y1="4444" x2="84889" y2="15556"/>
+                        <a14:foregroundMark x1="87111" y1="20889" x2="87111" y2="20889"/>
+                        <a14:foregroundMark x1="71111" y1="3111" x2="71111" y2="3111"/>
+                        <a14:foregroundMark x1="67111" y1="3111" x2="67111" y2="3111"/>
+                        <a14:foregroundMark x1="53778" y1="4889" x2="87556" y2="35556"/>
+                        <a14:foregroundMark x1="87556" y1="35556" x2="88444" y2="37333"/>
+                        <a14:foregroundMark x1="53333" y1="3111" x2="12889" y2="3556"/>
+                        <a14:foregroundMark x1="12889" y1="3556" x2="14222" y2="96444"/>
+                        <a14:foregroundMark x1="14222" y1="96444" x2="43556" y2="99111"/>
+                        <a14:foregroundMark x1="43556" y1="99111" x2="72889" y2="97778"/>
+                        <a14:foregroundMark x1="72889" y1="97778" x2="87111" y2="80000"/>
+                        <a14:foregroundMark x1="87111" y1="80000" x2="87556" y2="39111"/>
+                        <a14:foregroundMark x1="79111" y1="59556" x2="39111" y2="45778"/>
+                        <a14:foregroundMark x1="39111" y1="45778" x2="32000" y2="79111"/>
+                        <a14:foregroundMark x1="32000" y1="79111" x2="66222" y2="72889"/>
+                        <a14:foregroundMark x1="66222" y1="72889" x2="62667" y2="48444"/>
+                        <a14:foregroundMark x1="62667" y1="48444" x2="60444" y2="47556"/>
+                        <a14:foregroundMark x1="60444" y1="47556" x2="29333" y2="43556"/>
+                        <a14:foregroundMark x1="29333" y1="43556" x2="25778" y2="68000"/>
+                        <a14:foregroundMark x1="25778" y1="68000" x2="54222" y2="84444"/>
+                        <a14:foregroundMark x1="54222" y1="84444" x2="36000" y2="68889"/>
+                        <a14:foregroundMark x1="36000" y1="68889" x2="32000" y2="69778"/>
+                        <a14:foregroundMark x1="21778" y1="76000" x2="37778" y2="92889"/>
+                        <a14:foregroundMark x1="37778" y1="92889" x2="22222" y2="76000"/>
+                        <a14:foregroundMark x1="22222" y1="76000" x2="21333" y2="76000"/>
+                        <a14:foregroundMark x1="40444" y1="63111" x2="61778" y2="40000"/>
+                        <a14:foregroundMark x1="61778" y1="40000" x2="76000" y2="59556"/>
+                        <a14:foregroundMark x1="76000" y1="59556" x2="52000" y2="71111"/>
+                        <a14:foregroundMark x1="52000" y1="71111" x2="32444" y2="61333"/>
+                        <a14:foregroundMark x1="38667" y1="62222" x2="68444" y2="56889"/>
+                        <a14:foregroundMark x1="68444" y1="56889" x2="62667" y2="76000"/>
+                        <a14:foregroundMark x1="86667" y1="98222" x2="86667" y2="85333"/>
+                        <a14:foregroundMark x1="66222" y1="55111" x2="72444" y2="48000"/>
+                      </a14:backgroundRemoval>
+                    </a14:imgEffect>
+                  </a14:imgLayer>
+                </a14:imgProps>
+              </a:ext>
+            </a:extLst>
+          </a:blip>
+          <a:stretch>
+            <a:fillRect/>
+          </a:stretch>
+        </p:blipFill>
+        <p:spPr>
+          <a:xfrm>
+            <a:off x="79578" y="2099773"/>
+            <a:ext cx="468000" cy="468000"/>
+          </a:xfrm>
+          <a:prstGeom prst="rect">
+            <a:avLst/>
+          </a:prstGeom>
+        </p:spPr>
+      </p:pic>
+      <p:cxnSp>
+        <p:nvCxnSpPr>
+          <p:cNvPr id="11" name="Conector recto 10">
+            <a:extLst>
+              <a:ext uri="{FF2B5EF4-FFF2-40B4-BE49-F238E27FC236}">
+                <a16:creationId xmlns:a16="http://schemas.microsoft.com/office/drawing/2014/main" id="{C5B02D49-C042-535A-811C-0127B902B237}"/>
+              </a:ext>
+            </a:extLst>
+          </p:cNvPr>
+          <p:cNvCxnSpPr/>
+          <p:nvPr/>
+        </p:nvCxnSpPr>
+        <p:spPr>
+          <a:xfrm>
+            <a:off x="79578" y="3728818"/>
+            <a:ext cx="468000" cy="0"/>
+          </a:xfrm>
+          <a:prstGeom prst="line">
+            <a:avLst/>
+          </a:prstGeom>
+          <a:ln>
+            <a:solidFill>
+              <a:schemeClr val="bg2">
+                <a:lumMod val="50000"/>
+              </a:schemeClr>
+            </a:solidFill>
+          </a:ln>
+        </p:spPr>
+        <p:style>
+          <a:lnRef idx="2">
+            <a:schemeClr val="accent1"/>
+          </a:lnRef>
+          <a:fillRef idx="0">
+            <a:schemeClr val="accent1"/>
+          </a:fillRef>
+          <a:effectRef idx="1">
+            <a:schemeClr val="accent1"/>
+          </a:effectRef>
+          <a:fontRef idx="minor">
+            <a:schemeClr val="tx1"/>
+          </a:fontRef>
+        </p:style>
+      </p:cxnSp>
+      <p:pic>
+        <p:nvPicPr>
+          <p:cNvPr id="12" name="Imagen 11">
+            <a:extLst>
+              <a:ext uri="{FF2B5EF4-FFF2-40B4-BE49-F238E27FC236}">
+                <a16:creationId xmlns:a16="http://schemas.microsoft.com/office/drawing/2014/main" id="{D6D019DD-F82F-E9BA-A9B6-9BCDFE408EEA}"/>
+              </a:ext>
+            </a:extLst>
+          </p:cNvPr>
+          <p:cNvPicPr>
+            <a:picLocks noChangeAspect="1"/>
+          </p:cNvPicPr>
+          <p:nvPr/>
+        </p:nvPicPr>
+        <p:blipFill>
+          <a:blip r:embed="rId14"/>
+          <a:stretch>
+            <a:fillRect/>
+          </a:stretch>
+        </p:blipFill>
+        <p:spPr>
+          <a:xfrm>
+            <a:off x="123506" y="3832352"/>
+            <a:ext cx="381733" cy="468000"/>
+          </a:xfrm>
+          <a:prstGeom prst="rect">
+            <a:avLst/>
+          </a:prstGeom>
+        </p:spPr>
+      </p:pic>
+      <p:pic>
+        <p:nvPicPr>
+          <p:cNvPr id="14" name="Imagen 13">
+            <a:extLst>
+              <a:ext uri="{FF2B5EF4-FFF2-40B4-BE49-F238E27FC236}">
+                <a16:creationId xmlns:a16="http://schemas.microsoft.com/office/drawing/2014/main" id="{0BD07707-C826-60D2-9501-3BC2F6E38D76}"/>
+              </a:ext>
+            </a:extLst>
+          </p:cNvPr>
+          <p:cNvPicPr>
+            <a:picLocks noChangeAspect="1"/>
+          </p:cNvPicPr>
+          <p:nvPr/>
+        </p:nvPicPr>
+        <p:blipFill>
+          <a:blip r:embed="rId15"/>
+          <a:stretch>
+            <a:fillRect/>
+          </a:stretch>
+        </p:blipFill>
+        <p:spPr>
+          <a:xfrm>
+            <a:off x="93932" y="1503947"/>
+            <a:ext cx="468000" cy="475458"/>
           </a:xfrm>
           <a:prstGeom prst="rect">
             <a:avLst/>
@@ -3865,55 +4112,189 @@
       </p:grpSpPr>
       <p:pic>
         <p:nvPicPr>
-          <p:cNvPr id="1026" name="Picture 2" descr="Ubuntu 24.04: Same as it ever was, but with 5 big improvements | ZDNET">
-            <a:extLst>
-              <a:ext uri="{FF2B5EF4-FFF2-40B4-BE49-F238E27FC236}">
-                <a16:creationId xmlns:a16="http://schemas.microsoft.com/office/drawing/2014/main" id="{0DBE16C5-238A-4319-A9AB-71F90C49A40C}"/>
+          <p:cNvPr id="2" name="Imagen 1">
+            <a:extLst>
+              <a:ext uri="{FF2B5EF4-FFF2-40B4-BE49-F238E27FC236}">
+                <a16:creationId xmlns:a16="http://schemas.microsoft.com/office/drawing/2014/main" id="{82A4DB9A-74BA-1472-6F86-8154F3319BA4}"/>
               </a:ext>
             </a:extLst>
           </p:cNvPr>
           <p:cNvPicPr>
-            <a:picLocks noChangeAspect="1" noChangeArrowheads="1"/>
+            <a:picLocks noChangeAspect="1"/>
           </p:cNvPicPr>
           <p:nvPr/>
         </p:nvPicPr>
         <p:blipFill>
-          <a:blip r:embed="rId2">
-            <a:extLst>
-              <a:ext uri="{28A0092B-C50C-407E-A947-70E740481C1C}">
-                <a14:useLocalDpi xmlns:a14="http://schemas.microsoft.com/office/drawing/2010/main" val="0"/>
-              </a:ext>
-            </a:extLst>
-          </a:blip>
-          <a:srcRect/>
+          <a:blip r:embed="rId2"/>
           <a:stretch>
             <a:fillRect/>
           </a:stretch>
         </p:blipFill>
-        <p:spPr bwMode="auto">
-          <a:xfrm>
-            <a:off x="616743" y="114300"/>
-            <a:ext cx="10958513" cy="6858000"/>
+        <p:spPr>
+          <a:xfrm>
+            <a:off x="0" y="0"/>
+            <a:ext cx="2857500" cy="1600200"/>
+          </a:xfrm>
+          <a:prstGeom prst="rect">
+            <a:avLst/>
+          </a:prstGeom>
+        </p:spPr>
+      </p:pic>
+      <p:sp>
+        <p:nvSpPr>
+          <p:cNvPr id="4" name="CuadroTexto 3">
+            <a:extLst>
+              <a:ext uri="{FF2B5EF4-FFF2-40B4-BE49-F238E27FC236}">
+                <a16:creationId xmlns:a16="http://schemas.microsoft.com/office/drawing/2014/main" id="{C418BD94-025F-FEA0-62A9-5DD06FD5C9E0}"/>
+              </a:ext>
+            </a:extLst>
+          </p:cNvPr>
+          <p:cNvSpPr txBox="1"/>
+          <p:nvPr/>
+        </p:nvSpPr>
+        <p:spPr>
+          <a:xfrm>
+            <a:off x="2857500" y="0"/>
+            <a:ext cx="9465798" cy="646331"/>
           </a:xfrm>
           <a:prstGeom prst="rect">
             <a:avLst/>
           </a:prstGeom>
           <a:noFill/>
-          <a:extLst>
-            <a:ext uri="{909E8E84-426E-40DD-AFC4-6F175D3DCCD1}">
-              <a14:hiddenFill xmlns:a14="http://schemas.microsoft.com/office/drawing/2010/main">
-                <a:solidFill>
-                  <a:srgbClr val="FFFFFF"/>
-                </a:solidFill>
-              </a14:hiddenFill>
-            </a:ext>
-          </a:extLst>
-        </p:spPr>
-      </p:pic>
+        </p:spPr>
+        <p:txBody>
+          <a:bodyPr wrap="square">
+            <a:spAutoFit/>
+          </a:bodyPr>
+          <a:lstStyle/>
+          <a:p>
+            <a:r>
+              <a:rPr lang="es-419" dirty="0"/>
+              <a:t>https://149366088.v2.pressablecdn.com/wp-content/uploads/2024/03/ubuntu-24.04-wallpaper.jpg</a:t>
+            </a:r>
+          </a:p>
+        </p:txBody>
+      </p:sp>
+      <p:sp>
+        <p:nvSpPr>
+          <p:cNvPr id="7" name="CuadroTexto 6">
+            <a:extLst>
+              <a:ext uri="{FF2B5EF4-FFF2-40B4-BE49-F238E27FC236}">
+                <a16:creationId xmlns:a16="http://schemas.microsoft.com/office/drawing/2014/main" id="{8CAE54C1-E702-FDEA-6BD0-D3176A35A2C7}"/>
+              </a:ext>
+            </a:extLst>
+          </p:cNvPr>
+          <p:cNvSpPr txBox="1"/>
+          <p:nvPr/>
+        </p:nvSpPr>
+        <p:spPr>
+          <a:xfrm>
+            <a:off x="0" y="1571564"/>
+            <a:ext cx="1613096" cy="369332"/>
+          </a:xfrm>
+          <a:prstGeom prst="rect">
+            <a:avLst/>
+          </a:prstGeom>
+          <a:noFill/>
+        </p:spPr>
+        <p:txBody>
+          <a:bodyPr wrap="square" rtlCol="0">
+            <a:spAutoFit/>
+          </a:bodyPr>
+          <a:lstStyle/>
+          <a:p>
+            <a:r>
+              <a:rPr lang="es-CO" dirty="0"/>
+              <a:t>Boxicons.com</a:t>
+            </a:r>
+            <a:endParaRPr lang="es-419" dirty="0"/>
+          </a:p>
+        </p:txBody>
+      </p:sp>
+      <p:sp>
+        <p:nvSpPr>
+          <p:cNvPr id="10" name="CuadroTexto 9">
+            <a:extLst>
+              <a:ext uri="{FF2B5EF4-FFF2-40B4-BE49-F238E27FC236}">
+                <a16:creationId xmlns:a16="http://schemas.microsoft.com/office/drawing/2014/main" id="{1D27A95A-A0E2-8859-3F17-F1B57A9F794E}"/>
+              </a:ext>
+            </a:extLst>
+          </p:cNvPr>
+          <p:cNvSpPr txBox="1"/>
+          <p:nvPr/>
+        </p:nvSpPr>
+        <p:spPr>
+          <a:xfrm>
+            <a:off x="236220" y="1892468"/>
+            <a:ext cx="2621280" cy="369332"/>
+          </a:xfrm>
+          <a:prstGeom prst="rect">
+            <a:avLst/>
+          </a:prstGeom>
+          <a:noFill/>
+        </p:spPr>
+        <p:txBody>
+          <a:bodyPr wrap="square" rtlCol="0">
+            <a:spAutoFit/>
+          </a:bodyPr>
+          <a:lstStyle/>
+          <a:p>
+            <a:r>
+              <a:rPr lang="es-CO" dirty="0"/>
+              <a:t>Cuadricula de 9 </a:t>
+            </a:r>
+            <a:r>
+              <a:rPr lang="es-CO" dirty="0" err="1"/>
+              <a:t>Grid</a:t>
+            </a:r>
+            <a:endParaRPr lang="es-419" dirty="0"/>
+          </a:p>
+        </p:txBody>
+      </p:sp>
+      <p:sp>
+        <p:nvSpPr>
+          <p:cNvPr id="11" name="CuadroTexto 10">
+            <a:extLst>
+              <a:ext uri="{FF2B5EF4-FFF2-40B4-BE49-F238E27FC236}">
+                <a16:creationId xmlns:a16="http://schemas.microsoft.com/office/drawing/2014/main" id="{C359DAEB-0E9D-EC5D-D33A-5E8D2A0071E6}"/>
+              </a:ext>
+            </a:extLst>
+          </p:cNvPr>
+          <p:cNvSpPr txBox="1"/>
+          <p:nvPr/>
+        </p:nvSpPr>
+        <p:spPr>
+          <a:xfrm>
+            <a:off x="218636" y="2198636"/>
+            <a:ext cx="2621280" cy="369332"/>
+          </a:xfrm>
+          <a:prstGeom prst="rect">
+            <a:avLst/>
+          </a:prstGeom>
+          <a:noFill/>
+        </p:spPr>
+        <p:txBody>
+          <a:bodyPr wrap="square" rtlCol="0">
+            <a:spAutoFit/>
+          </a:bodyPr>
+          <a:lstStyle/>
+          <a:p>
+            <a:r>
+              <a:rPr lang="es-CO" dirty="0" err="1"/>
+              <a:t>Power</a:t>
+            </a:r>
+            <a:r>
+              <a:rPr lang="es-CO" dirty="0"/>
+              <a:t> off</a:t>
+            </a:r>
+            <a:endParaRPr lang="es-419" dirty="0"/>
+          </a:p>
+        </p:txBody>
+      </p:sp>
     </p:spTree>
     <p:extLst>
       <p:ext uri="{BB962C8B-B14F-4D97-AF65-F5344CB8AC3E}">
-        <p14:creationId xmlns:p14="http://schemas.microsoft.com/office/powerpoint/2010/main" val="2415372247"/>
+        <p14:creationId xmlns:p14="http://schemas.microsoft.com/office/powerpoint/2010/main" val="829878843"/>
       </p:ext>
     </p:extLst>
   </p:cSld>
@@ -3942,10 +4323,10 @@
       </p:grpSpPr>
       <p:pic>
         <p:nvPicPr>
-          <p:cNvPr id="2" name="Imagen 1">
-            <a:extLst>
-              <a:ext uri="{FF2B5EF4-FFF2-40B4-BE49-F238E27FC236}">
-                <a16:creationId xmlns:a16="http://schemas.microsoft.com/office/drawing/2014/main" id="{82A4DB9A-74BA-1472-6F86-8154F3319BA4}"/>
+          <p:cNvPr id="8" name="Imagen 7">
+            <a:extLst>
+              <a:ext uri="{FF2B5EF4-FFF2-40B4-BE49-F238E27FC236}">
+                <a16:creationId xmlns:a16="http://schemas.microsoft.com/office/drawing/2014/main" id="{E4687F1D-A76C-B7A2-6293-0D5E1A6D2352}"/>
               </a:ext>
             </a:extLst>
           </p:cNvPr>
@@ -3963,168 +4344,253 @@
         <p:spPr>
           <a:xfrm>
             <a:off x="0" y="0"/>
-            <a:ext cx="2857500" cy="1600200"/>
+            <a:ext cx="1530229" cy="1554615"/>
           </a:xfrm>
           <a:prstGeom prst="rect">
             <a:avLst/>
           </a:prstGeom>
         </p:spPr>
       </p:pic>
-      <p:sp>
-        <p:nvSpPr>
-          <p:cNvPr id="4" name="CuadroTexto 3">
-            <a:extLst>
-              <a:ext uri="{FF2B5EF4-FFF2-40B4-BE49-F238E27FC236}">
-                <a16:creationId xmlns:a16="http://schemas.microsoft.com/office/drawing/2014/main" id="{C418BD94-025F-FEA0-62A9-5DD06FD5C9E0}"/>
-              </a:ext>
-            </a:extLst>
-          </p:cNvPr>
-          <p:cNvSpPr txBox="1"/>
+      <p:pic>
+        <p:nvPicPr>
+          <p:cNvPr id="9" name="Imagen 8">
+            <a:extLst>
+              <a:ext uri="{FF2B5EF4-FFF2-40B4-BE49-F238E27FC236}">
+                <a16:creationId xmlns:a16="http://schemas.microsoft.com/office/drawing/2014/main" id="{A817E79B-D8B2-189A-9675-8BE79131B5AE}"/>
+              </a:ext>
+            </a:extLst>
+          </p:cNvPr>
+          <p:cNvPicPr>
+            <a:picLocks noChangeAspect="1"/>
+          </p:cNvPicPr>
           <p:nvPr/>
-        </p:nvSpPr>
-        <p:spPr>
-          <a:xfrm>
-            <a:off x="2857500" y="0"/>
-            <a:ext cx="9465798" cy="646331"/>
+        </p:nvPicPr>
+        <p:blipFill>
+          <a:blip r:embed="rId3"/>
+          <a:stretch>
+            <a:fillRect/>
+          </a:stretch>
+        </p:blipFill>
+        <p:spPr>
+          <a:xfrm>
+            <a:off x="1530228" y="-1"/>
+            <a:ext cx="1554615" cy="1554615"/>
           </a:xfrm>
           <a:prstGeom prst="rect">
             <a:avLst/>
           </a:prstGeom>
-          <a:noFill/>
-        </p:spPr>
-        <p:txBody>
-          <a:bodyPr wrap="square">
-            <a:spAutoFit/>
-          </a:bodyPr>
-          <a:lstStyle/>
-          <a:p>
-            <a:r>
-              <a:rPr lang="es-419" dirty="0"/>
-              <a:t>https://149366088.v2.pressablecdn.com/wp-content/uploads/2024/03/ubuntu-24.04-wallpaper.jpg</a:t>
-            </a:r>
-          </a:p>
-        </p:txBody>
-      </p:sp>
-      <p:sp>
-        <p:nvSpPr>
-          <p:cNvPr id="7" name="CuadroTexto 6">
-            <a:extLst>
-              <a:ext uri="{FF2B5EF4-FFF2-40B4-BE49-F238E27FC236}">
-                <a16:creationId xmlns:a16="http://schemas.microsoft.com/office/drawing/2014/main" id="{8CAE54C1-E702-FDEA-6BD0-D3176A35A2C7}"/>
-              </a:ext>
-            </a:extLst>
-          </p:cNvPr>
-          <p:cNvSpPr txBox="1"/>
+        </p:spPr>
+      </p:pic>
+      <p:pic>
+        <p:nvPicPr>
+          <p:cNvPr id="10" name="Imagen 9">
+            <a:extLst>
+              <a:ext uri="{FF2B5EF4-FFF2-40B4-BE49-F238E27FC236}">
+                <a16:creationId xmlns:a16="http://schemas.microsoft.com/office/drawing/2014/main" id="{C6C84A9C-A748-B83F-AE06-8C18455A0574}"/>
+              </a:ext>
+            </a:extLst>
+          </p:cNvPr>
+          <p:cNvPicPr>
+            <a:picLocks noChangeAspect="1"/>
+          </p:cNvPicPr>
           <p:nvPr/>
-        </p:nvSpPr>
-        <p:spPr>
-          <a:xfrm>
-            <a:off x="0" y="1571564"/>
-            <a:ext cx="1613096" cy="369332"/>
+        </p:nvPicPr>
+        <p:blipFill>
+          <a:blip r:embed="rId4"/>
+          <a:stretch>
+            <a:fillRect/>
+          </a:stretch>
+        </p:blipFill>
+        <p:spPr>
+          <a:xfrm>
+            <a:off x="3435315" y="615748"/>
+            <a:ext cx="341406" cy="323116"/>
           </a:xfrm>
           <a:prstGeom prst="rect">
             <a:avLst/>
           </a:prstGeom>
-          <a:noFill/>
-        </p:spPr>
-        <p:txBody>
-          <a:bodyPr wrap="square" rtlCol="0">
-            <a:spAutoFit/>
-          </a:bodyPr>
-          <a:lstStyle/>
-          <a:p>
-            <a:r>
-              <a:rPr lang="es-CO" dirty="0"/>
-              <a:t>Boxicons.com</a:t>
-            </a:r>
-            <a:endParaRPr lang="es-419" dirty="0"/>
-          </a:p>
-        </p:txBody>
-      </p:sp>
-      <p:sp>
-        <p:nvSpPr>
-          <p:cNvPr id="10" name="CuadroTexto 9">
-            <a:extLst>
-              <a:ext uri="{FF2B5EF4-FFF2-40B4-BE49-F238E27FC236}">
-                <a16:creationId xmlns:a16="http://schemas.microsoft.com/office/drawing/2014/main" id="{1D27A95A-A0E2-8859-3F17-F1B57A9F794E}"/>
-              </a:ext>
-            </a:extLst>
-          </p:cNvPr>
-          <p:cNvSpPr txBox="1"/>
+        </p:spPr>
+      </p:pic>
+      <p:pic>
+        <p:nvPicPr>
+          <p:cNvPr id="11" name="Imagen 10">
+            <a:extLst>
+              <a:ext uri="{FF2B5EF4-FFF2-40B4-BE49-F238E27FC236}">
+                <a16:creationId xmlns:a16="http://schemas.microsoft.com/office/drawing/2014/main" id="{DFA5F48C-FC55-CDB1-E5AA-16980299482F}"/>
+              </a:ext>
+            </a:extLst>
+          </p:cNvPr>
+          <p:cNvPicPr>
+            <a:picLocks noChangeAspect="1"/>
+          </p:cNvPicPr>
           <p:nvPr/>
-        </p:nvSpPr>
-        <p:spPr>
-          <a:xfrm>
-            <a:off x="236220" y="1892468"/>
-            <a:ext cx="2621280" cy="369332"/>
+        </p:nvPicPr>
+        <p:blipFill>
+          <a:blip r:embed="rId5"/>
+          <a:stretch>
+            <a:fillRect/>
+          </a:stretch>
+        </p:blipFill>
+        <p:spPr>
+          <a:xfrm>
+            <a:off x="3959538" y="521193"/>
+            <a:ext cx="335309" cy="329213"/>
           </a:xfrm>
           <a:prstGeom prst="rect">
             <a:avLst/>
           </a:prstGeom>
-          <a:noFill/>
-        </p:spPr>
-        <p:txBody>
-          <a:bodyPr wrap="square" rtlCol="0">
-            <a:spAutoFit/>
-          </a:bodyPr>
-          <a:lstStyle/>
-          <a:p>
-            <a:r>
-              <a:rPr lang="es-CO" dirty="0"/>
-              <a:t>Cuadricula de 9 </a:t>
-            </a:r>
-            <a:r>
-              <a:rPr lang="es-CO" dirty="0" err="1"/>
-              <a:t>Grid</a:t>
-            </a:r>
-            <a:endParaRPr lang="es-419" dirty="0"/>
-          </a:p>
-        </p:txBody>
-      </p:sp>
-      <p:sp>
-        <p:nvSpPr>
-          <p:cNvPr id="11" name="CuadroTexto 10">
-            <a:extLst>
-              <a:ext uri="{FF2B5EF4-FFF2-40B4-BE49-F238E27FC236}">
-                <a16:creationId xmlns:a16="http://schemas.microsoft.com/office/drawing/2014/main" id="{C359DAEB-0E9D-EC5D-D33A-5E8D2A0071E6}"/>
-              </a:ext>
-            </a:extLst>
-          </p:cNvPr>
-          <p:cNvSpPr txBox="1"/>
+        </p:spPr>
+      </p:pic>
+      <p:pic>
+        <p:nvPicPr>
+          <p:cNvPr id="15" name="Imagen 14">
+            <a:extLst>
+              <a:ext uri="{FF2B5EF4-FFF2-40B4-BE49-F238E27FC236}">
+                <a16:creationId xmlns:a16="http://schemas.microsoft.com/office/drawing/2014/main" id="{5DAD0D99-2C70-1591-8DE2-24BB082043B9}"/>
+              </a:ext>
+            </a:extLst>
+          </p:cNvPr>
+          <p:cNvPicPr>
+            <a:picLocks noChangeAspect="1"/>
+          </p:cNvPicPr>
           <p:nvPr/>
-        </p:nvSpPr>
-        <p:spPr>
-          <a:xfrm>
-            <a:off x="218636" y="2198636"/>
-            <a:ext cx="2621280" cy="369332"/>
+        </p:nvPicPr>
+        <p:blipFill>
+          <a:blip r:embed="rId6"/>
+          <a:stretch>
+            <a:fillRect/>
+          </a:stretch>
+        </p:blipFill>
+        <p:spPr>
+          <a:xfrm>
+            <a:off x="4651416" y="152412"/>
+            <a:ext cx="999831" cy="1249788"/>
           </a:xfrm>
           <a:prstGeom prst="rect">
             <a:avLst/>
           </a:prstGeom>
-          <a:noFill/>
-        </p:spPr>
-        <p:txBody>
-          <a:bodyPr wrap="square" rtlCol="0">
-            <a:spAutoFit/>
-          </a:bodyPr>
-          <a:lstStyle/>
-          <a:p>
-            <a:r>
-              <a:rPr lang="es-CO" dirty="0" err="1"/>
-              <a:t>Power</a:t>
-            </a:r>
-            <a:r>
-              <a:rPr lang="es-CO" dirty="0"/>
-              <a:t> off</a:t>
-            </a:r>
-            <a:endParaRPr lang="es-419" dirty="0"/>
-          </a:p>
-        </p:txBody>
-      </p:sp>
+        </p:spPr>
+      </p:pic>
     </p:spTree>
     <p:extLst>
       <p:ext uri="{BB962C8B-B14F-4D97-AF65-F5344CB8AC3E}">
-        <p14:creationId xmlns:p14="http://schemas.microsoft.com/office/powerpoint/2010/main" val="829878843"/>
+        <p14:creationId xmlns:p14="http://schemas.microsoft.com/office/powerpoint/2010/main" val="1691955365"/>
+      </p:ext>
+    </p:extLst>
+  </p:cSld>
+  <p:clrMapOvr>
+    <a:masterClrMapping/>
+  </p:clrMapOvr>
+</p:sld>
+</file>
+
+<file path=ppt/slides/slide4.xml><?xml version="1.0" encoding="utf-8"?>
+<p:sld xmlns:a="http://schemas.openxmlformats.org/drawingml/2006/main" xmlns:r="http://schemas.openxmlformats.org/officeDocument/2006/relationships" xmlns:p="http://schemas.openxmlformats.org/presentationml/2006/main">
+  <p:cSld>
+    <p:spTree>
+      <p:nvGrpSpPr>
+        <p:cNvPr id="1" name=""/>
+        <p:cNvGrpSpPr/>
+        <p:nvPr/>
+      </p:nvGrpSpPr>
+      <p:grpSpPr>
+        <a:xfrm>
+          <a:off x="0" y="0"/>
+          <a:ext cx="0" cy="0"/>
+          <a:chOff x="0" y="0"/>
+          <a:chExt cx="0" cy="0"/>
+        </a:xfrm>
+      </p:grpSpPr>
+      <p:sp>
+        <p:nvSpPr>
+          <p:cNvPr id="11" name="Rectángulo 10">
+            <a:extLst>
+              <a:ext uri="{FF2B5EF4-FFF2-40B4-BE49-F238E27FC236}">
+                <a16:creationId xmlns:a16="http://schemas.microsoft.com/office/drawing/2014/main" id="{E4288C61-228F-68B5-21CE-551236109EC9}"/>
+              </a:ext>
+            </a:extLst>
+          </p:cNvPr>
+          <p:cNvSpPr/>
+          <p:nvPr/>
+        </p:nvSpPr>
+        <p:spPr>
+          <a:xfrm>
+            <a:off x="6167438" y="3481388"/>
+            <a:ext cx="200025" cy="338137"/>
+          </a:xfrm>
+          <a:prstGeom prst="rect">
+            <a:avLst/>
+          </a:prstGeom>
+          <a:solidFill>
+            <a:schemeClr val="bg1"/>
+          </a:solidFill>
+          <a:ln>
+            <a:solidFill>
+              <a:schemeClr val="bg1"/>
+            </a:solidFill>
+          </a:ln>
+        </p:spPr>
+        <p:style>
+          <a:lnRef idx="2">
+            <a:schemeClr val="accent1">
+              <a:shade val="15000"/>
+            </a:schemeClr>
+          </a:lnRef>
+          <a:fillRef idx="1">
+            <a:schemeClr val="accent1"/>
+          </a:fillRef>
+          <a:effectRef idx="0">
+            <a:schemeClr val="accent1"/>
+          </a:effectRef>
+          <a:fontRef idx="minor">
+            <a:schemeClr val="lt1"/>
+          </a:fontRef>
+        </p:style>
+        <p:txBody>
+          <a:bodyPr rtlCol="0" anchor="ctr"/>
+          <a:lstStyle/>
+          <a:p>
+            <a:pPr algn="ctr"/>
+            <a:endParaRPr lang="es-419"/>
+          </a:p>
+        </p:txBody>
+      </p:sp>
+      <p:pic>
+        <p:nvPicPr>
+          <p:cNvPr id="13" name="Imagen 12">
+            <a:extLst>
+              <a:ext uri="{FF2B5EF4-FFF2-40B4-BE49-F238E27FC236}">
+                <a16:creationId xmlns:a16="http://schemas.microsoft.com/office/drawing/2014/main" id="{149AC6D0-62FF-49B1-84D6-0CCD6DC1FD70}"/>
+              </a:ext>
+            </a:extLst>
+          </p:cNvPr>
+          <p:cNvPicPr>
+            <a:picLocks noChangeAspect="1"/>
+          </p:cNvPicPr>
+          <p:nvPr/>
+        </p:nvPicPr>
+        <p:blipFill>
+          <a:blip r:embed="rId2">
+            <a:biLevel thresh="75000"/>
+          </a:blip>
+          <a:stretch>
+            <a:fillRect/>
+          </a:stretch>
+        </p:blipFill>
+        <p:spPr>
+          <a:xfrm>
+            <a:off x="5021585" y="2359059"/>
+            <a:ext cx="2145978" cy="2139881"/>
+          </a:xfrm>
+          <a:prstGeom prst="rect">
+            <a:avLst/>
+          </a:prstGeom>
+        </p:spPr>
+      </p:pic>
+    </p:spTree>
+    <p:extLst>
+      <p:ext uri="{BB962C8B-B14F-4D97-AF65-F5344CB8AC3E}">
+        <p14:creationId xmlns:p14="http://schemas.microsoft.com/office/powerpoint/2010/main" val="3354036128"/>
       </p:ext>
     </p:extLst>
   </p:cSld>
